--- a/Group 3  Daily Report.pptx
+++ b/Group 3  Daily Report.pptx
@@ -6644,29 +6644,7 @@
                 <a:ea typeface="+mn-ea"/>
                 <a:cs typeface="+mn-cs"/>
               </a:rPr>
-              <a:t> 3 </a:t>
-            </a:r>
-            <a:r>
-              <a:rPr kumimoji="1" lang="en-US" altLang="zh-CN" sz="4400" dirty="0">
-                <a:solidFill>
-                  <a:schemeClr val="accent2"/>
-                </a:solidFill>
-                <a:latin typeface="+mn-lt"/>
-                <a:ea typeface="+mn-ea"/>
-                <a:cs typeface="+mn-cs"/>
-              </a:rPr>
-              <a:t>Daily</a:t>
-            </a:r>
-            <a:r>
-              <a:rPr kumimoji="1" lang="en-US" altLang="zh-CN" sz="4400" dirty="0">
-                <a:solidFill>
-                  <a:schemeClr val="accent2"/>
-                </a:solidFill>
-                <a:latin typeface="+mn-lt"/>
-                <a:ea typeface="+mn-ea"/>
-                <a:cs typeface="+mn-cs"/>
-              </a:rPr>
-              <a:t> Report</a:t>
+              <a:t> 3 Daily Report</a:t>
             </a:r>
             <a:endParaRPr kumimoji="1" lang="en-GB" altLang="en-US" sz="4400" dirty="0">
               <a:solidFill>
@@ -7515,15 +7493,7 @@
                   <a:srgbClr val="00B0F0"/>
                 </a:solidFill>
               </a:rPr>
-              <a:t>           </a:t>
-            </a:r>
-            <a:r>
-              <a:rPr kumimoji="1" lang="en-US" altLang="zh-CN" sz="1400" b="1" dirty="0">
-                <a:solidFill>
-                  <a:srgbClr val="00B0F0"/>
-                </a:solidFill>
-              </a:rPr>
-              <a:t>2</a:t>
+              <a:t>           2</a:t>
             </a:r>
             <a:r>
               <a:rPr kumimoji="1" lang="zh-CN" altLang="en-US" sz="1400" b="1" dirty="0" smtClean="0">
@@ -8052,15 +8022,7 @@
                   <a:srgbClr val="00B0F0"/>
                 </a:solidFill>
               </a:rPr>
-              <a:t>明确</a:t>
-            </a:r>
-            <a:r>
-              <a:rPr lang="zh-CN" altLang="en-US" sz="1600" b="1" dirty="0">
-                <a:solidFill>
-                  <a:srgbClr val="00B0F0"/>
-                </a:solidFill>
-              </a:rPr>
-              <a:t>目标、分解任务</a:t>
+              <a:t>明确目标、分解任务</a:t>
             </a:r>
             <a:endParaRPr lang="en-US" altLang="zh-CN" sz="1600" b="1" dirty="0">
               <a:solidFill>
@@ -8076,23 +8038,7 @@
                   <a:srgbClr val="00B0F0"/>
                 </a:solidFill>
               </a:rPr>
-              <a:t>规划</a:t>
-            </a:r>
-            <a:r>
-              <a:rPr lang="zh-CN" altLang="en-US" sz="1600" b="1" dirty="0">
-                <a:solidFill>
-                  <a:srgbClr val="00B0F0"/>
-                </a:solidFill>
-              </a:rPr>
-              <a:t>进度、切分</a:t>
-            </a:r>
-            <a:r>
-              <a:rPr lang="zh-CN" altLang="en-US" sz="1600" b="1" dirty="0">
-                <a:solidFill>
-                  <a:srgbClr val="00B0F0"/>
-                </a:solidFill>
-              </a:rPr>
-              <a:t>时间</a:t>
+              <a:t>规划进度、切分时间</a:t>
             </a:r>
           </a:p>
           <a:p>
@@ -8135,15 +8081,7 @@
                   <a:srgbClr val="00B0F0"/>
                 </a:solidFill>
               </a:rPr>
-              <a:t>修正</a:t>
-            </a:r>
-            <a:r>
-              <a:rPr lang="zh-CN" altLang="en-US" sz="1600" b="1" dirty="0">
-                <a:solidFill>
-                  <a:srgbClr val="00B0F0"/>
-                </a:solidFill>
-              </a:rPr>
-              <a:t>目标</a:t>
+              <a:t>修正目标</a:t>
             </a:r>
           </a:p>
           <a:p>
@@ -8888,15 +8826,7 @@
                   <a:srgbClr val="00B0F0"/>
                 </a:solidFill>
               </a:rPr>
-              <a:t>hank </a:t>
-            </a:r>
-            <a:r>
-              <a:rPr lang="en-US" altLang="zh-CN" sz="6000" dirty="0" smtClean="0">
-                <a:solidFill>
-                  <a:srgbClr val="00B0F0"/>
-                </a:solidFill>
-              </a:rPr>
-              <a:t>you </a:t>
+              <a:t>hank you </a:t>
             </a:r>
             <a:r>
               <a:rPr lang="zh-CN" altLang="en-US" sz="6000" dirty="0" smtClean="0">
